--- a/doc/rule-match.pptx
+++ b/doc/rule-match.pptx
@@ -5,18 +5,18 @@
     <p:sldMasterId id="2147483648" r:id="rId1"/>
   </p:sldMasterIdLst>
   <p:notesMasterIdLst>
-    <p:notesMasterId r:id="rId8"/>
+    <p:notesMasterId r:id="rId9"/>
   </p:notesMasterIdLst>
   <p:sldIdLst>
     <p:sldId id="256" r:id="rId3"/>
-    <p:sldId id="260" r:id="rId4"/>
-    <p:sldId id="257" r:id="rId5"/>
+    <p:sldId id="257" r:id="rId4"/>
+    <p:sldId id="260" r:id="rId5"/>
     <p:sldId id="258" r:id="rId6"/>
-    <p:sldId id="261" r:id="rId7"/>
-    <p:sldId id="262" r:id="rId9"/>
-    <p:sldId id="264" r:id="rId10"/>
-    <p:sldId id="268" r:id="rId11"/>
-    <p:sldId id="269" r:id="rId12"/>
+    <p:sldId id="269" r:id="rId7"/>
+    <p:sldId id="261" r:id="rId8"/>
+    <p:sldId id="262" r:id="rId10"/>
+    <p:sldId id="264" r:id="rId11"/>
+    <p:sldId id="268" r:id="rId12"/>
   </p:sldIdLst>
   <p:sldSz cx="12192000" cy="6858000"/>
   <p:notesSz cx="7103745" cy="10234295"/>
@@ -5362,7 +5362,7 @@
                   <a:schemeClr val="tx1"/>
                 </a:solidFill>
               </a:rPr>
-              <a:t>规则匹配</a:t>
+              <a:t>职级评审技术分享</a:t>
             </a:r>
             <a:endParaRPr lang="zh-CN" altLang="en-US">
               <a:solidFill>
@@ -5397,7 +5397,7 @@
                   <a:schemeClr val="tx1"/>
                 </a:solidFill>
               </a:rPr>
-              <a:t>位图实现</a:t>
+              <a:t>规则分组</a:t>
             </a:r>
             <a:endParaRPr lang="zh-CN" altLang="en-US" sz="2800" b="1">
               <a:solidFill>
@@ -5451,125 +5451,6 @@
 </file>
 
 <file path=ppt/slides/slide2.xml><?xml version="1.0" encoding="utf-8"?>
-<p:sld xmlns:a="http://schemas.openxmlformats.org/drawingml/2006/main" xmlns:r="http://schemas.openxmlformats.org/officeDocument/2006/relationships" xmlns:p="http://schemas.openxmlformats.org/presentationml/2006/main">
-  <p:cSld>
-    <p:spTree>
-      <p:nvGrpSpPr>
-        <p:cNvPr id="1" name=""/>
-        <p:cNvGrpSpPr/>
-        <p:nvPr/>
-      </p:nvGrpSpPr>
-      <p:grpSpPr/>
-      <p:sp>
-        <p:nvSpPr>
-          <p:cNvPr id="2" name="标题 1"/>
-          <p:cNvSpPr>
-            <a:spLocks noGrp="1"/>
-          </p:cNvSpPr>
-          <p:nvPr>
-            <p:ph type="title"/>
-          </p:nvPr>
-        </p:nvSpPr>
-        <p:spPr/>
-        <p:txBody>
-          <a:bodyPr/>
-          <a:p>
-            <a:r>
-              <a:rPr lang="zh-CN" altLang="en-US"/>
-              <a:t>需求背景</a:t>
-            </a:r>
-            <a:endParaRPr lang="zh-CN" altLang="en-US"/>
-          </a:p>
-        </p:txBody>
-      </p:sp>
-      <p:sp>
-        <p:nvSpPr>
-          <p:cNvPr id="3" name="内容占位符 2"/>
-          <p:cNvSpPr>
-            <a:spLocks noGrp="1"/>
-          </p:cNvSpPr>
-          <p:nvPr>
-            <p:ph idx="1"/>
-          </p:nvPr>
-        </p:nvSpPr>
-        <p:spPr>
-          <a:xfrm>
-            <a:off x="669925" y="1675130"/>
-            <a:ext cx="10852150" cy="4705985"/>
-          </a:xfrm>
-        </p:spPr>
-        <p:txBody>
-          <a:bodyPr/>
-          <a:p>
-            <a:r>
-              <a:rPr lang="zh-CN" altLang="en-US" sz="2000" b="1"/>
-              <a:t>提效流程</a:t>
-            </a:r>
-            <a:r>
-              <a:rPr lang="zh-CN" altLang="en-US" sz="2000"/>
-              <a:t>：分配参评人到评委组</a:t>
-            </a:r>
-            <a:endParaRPr lang="zh-CN" altLang="en-US" sz="2000"/>
-          </a:p>
-          <a:p>
-            <a:endParaRPr lang="zh-CN" altLang="en-US" sz="2000"/>
-          </a:p>
-          <a:p>
-            <a:r>
-              <a:rPr lang="zh-CN" altLang="en-US" sz="2000"/>
-              <a:t>现有场次功能【演示】</a:t>
-            </a:r>
-            <a:r>
-              <a:rPr lang="en-US" altLang="zh-CN" sz="2000"/>
-              <a:t>: </a:t>
-            </a:r>
-            <a:r>
-              <a:rPr lang="zh-CN" altLang="en-US" sz="2000"/>
-              <a:t>需手动分配参评人对应的评委</a:t>
-            </a:r>
-            <a:endParaRPr lang="zh-CN" altLang="en-US" sz="2000"/>
-          </a:p>
-          <a:p>
-            <a:endParaRPr lang="zh-CN" altLang="en-US" sz="2000"/>
-          </a:p>
-          <a:p>
-            <a:r>
-              <a:rPr lang="zh-CN" altLang="en-US" sz="2000" b="1"/>
-              <a:t>期望</a:t>
-            </a:r>
-            <a:r>
-              <a:rPr lang="zh-CN" altLang="en-US" sz="2000"/>
-              <a:t>：通过业务方给出规则，系统自动演算出大致的结果，方便业务方调整</a:t>
-            </a:r>
-            <a:endParaRPr lang="zh-CN" altLang="en-US" sz="2000"/>
-          </a:p>
-          <a:p>
-            <a:endParaRPr lang="zh-CN" altLang="en-US" sz="2000"/>
-          </a:p>
-          <a:p>
-            <a:r>
-              <a:rPr lang="zh-CN" altLang="en-US" sz="2000"/>
-              <a:t>需求就是这个目的的第一阶段：对参评人按照条件进行分组</a:t>
-            </a:r>
-            <a:endParaRPr lang="zh-CN" altLang="en-US" sz="2000"/>
-          </a:p>
-          <a:p>
-            <a:endParaRPr lang="zh-CN" altLang="en-US" sz="2000"/>
-          </a:p>
-          <a:p>
-            <a:endParaRPr lang="zh-CN" altLang="en-US" sz="2000"/>
-          </a:p>
-        </p:txBody>
-      </p:sp>
-    </p:spTree>
-  </p:cSld>
-  <p:clrMapOvr>
-    <a:masterClrMapping/>
-  </p:clrMapOvr>
-</p:sld>
-</file>
-
-<file path=ppt/slides/slide3.xml><?xml version="1.0" encoding="utf-8"?>
 <p:sld xmlns:a="http://schemas.openxmlformats.org/drawingml/2006/main" xmlns:r="http://schemas.openxmlformats.org/officeDocument/2006/relationships" xmlns:p="http://schemas.openxmlformats.org/presentationml/2006/main">
   <p:cSld>
     <p:bg>
@@ -5589,24 +5470,716 @@
       <p:grpSpPr/>
       <p:pic>
         <p:nvPicPr>
-          <p:cNvPr id="4" name="图片 3" descr="match-rule">
-            <a:hlinkClick r:id="rId1"/>
-          </p:cNvPr>
+          <p:cNvPr id="2" name="图片 1"/>
           <p:cNvPicPr>
             <a:picLocks noChangeAspect="1"/>
           </p:cNvPicPr>
           <p:nvPr/>
         </p:nvPicPr>
         <p:blipFill>
-          <a:blip r:embed="rId2"/>
+          <a:blip r:embed="rId1"/>
           <a:stretch>
             <a:fillRect/>
           </a:stretch>
         </p:blipFill>
         <p:spPr>
           <a:xfrm>
-            <a:off x="1491615" y="25400"/>
-            <a:ext cx="9208135" cy="6807835"/>
+            <a:off x="3018790" y="115570"/>
+            <a:ext cx="7861935" cy="6299835"/>
+          </a:xfrm>
+          <a:prstGeom prst="rect">
+            <a:avLst/>
+          </a:prstGeom>
+        </p:spPr>
+      </p:pic>
+      <p:sp>
+        <p:nvSpPr>
+          <p:cNvPr id="3" name="文本框 2"/>
+          <p:cNvSpPr txBox="1"/>
+          <p:nvPr/>
+        </p:nvSpPr>
+        <p:spPr>
+          <a:xfrm>
+            <a:off x="723265" y="656590"/>
+            <a:ext cx="895350" cy="521970"/>
+          </a:xfrm>
+          <a:prstGeom prst="rect">
+            <a:avLst/>
+          </a:prstGeom>
+          <a:noFill/>
+        </p:spPr>
+        <p:txBody>
+          <a:bodyPr wrap="none" rtlCol="0">
+            <a:spAutoFit/>
+          </a:bodyPr>
+          <a:p>
+            <a:r>
+              <a:rPr lang="zh-CN" altLang="en-US" sz="2800" b="1"/>
+              <a:t>演示</a:t>
+            </a:r>
+            <a:endParaRPr lang="zh-CN" altLang="en-US" sz="2800" b="1"/>
+          </a:p>
+        </p:txBody>
+      </p:sp>
+    </p:spTree>
+  </p:cSld>
+  <p:clrMapOvr>
+    <a:masterClrMapping/>
+  </p:clrMapOvr>
+</p:sld>
+</file>
+
+<file path=ppt/slides/slide3.xml><?xml version="1.0" encoding="utf-8"?>
+<p:sld xmlns:a="http://schemas.openxmlformats.org/drawingml/2006/main" xmlns:r="http://schemas.openxmlformats.org/officeDocument/2006/relationships" xmlns:p="http://schemas.openxmlformats.org/presentationml/2006/main">
+  <p:cSld>
+    <p:spTree>
+      <p:nvGrpSpPr>
+        <p:cNvPr id="1" name=""/>
+        <p:cNvGrpSpPr/>
+        <p:nvPr/>
+      </p:nvGrpSpPr>
+      <p:grpSpPr/>
+      <p:sp>
+        <p:nvSpPr>
+          <p:cNvPr id="2" name="标题 1"/>
+          <p:cNvSpPr>
+            <a:spLocks noGrp="1"/>
+          </p:cNvSpPr>
+          <p:nvPr>
+            <p:ph type="title"/>
+          </p:nvPr>
+        </p:nvSpPr>
+        <p:spPr>
+          <a:xfrm>
+            <a:off x="840697" y="523244"/>
+            <a:ext cx="10852237" cy="441964"/>
+          </a:xfrm>
+        </p:spPr>
+        <p:txBody>
+          <a:bodyPr/>
+          <a:p>
+            <a:r>
+              <a:rPr lang="zh-CN" altLang="en-US"/>
+              <a:t>需求</a:t>
+            </a:r>
+            <a:endParaRPr lang="en-US" altLang="zh-CN"/>
+          </a:p>
+        </p:txBody>
+      </p:sp>
+      <p:sp>
+        <p:nvSpPr>
+          <p:cNvPr id="3" name="内容占位符 2"/>
+          <p:cNvSpPr>
+            <a:spLocks noGrp="1"/>
+          </p:cNvSpPr>
+          <p:nvPr>
+            <p:ph idx="1"/>
+          </p:nvPr>
+        </p:nvSpPr>
+        <p:spPr>
+          <a:xfrm>
+            <a:off x="669925" y="1675130"/>
+            <a:ext cx="10852150" cy="4705985"/>
+          </a:xfrm>
+        </p:spPr>
+        <p:txBody>
+          <a:bodyPr/>
+          <a:p>
+            <a:r>
+              <a:rPr lang="zh-CN" altLang="en-US" sz="2000" b="1"/>
+              <a:t>角色</a:t>
+            </a:r>
+            <a:r>
+              <a:rPr lang="zh-CN" altLang="en-US" sz="2000"/>
+              <a:t>：</a:t>
+            </a:r>
+            <a:r>
+              <a:rPr lang="en-US" altLang="zh-CN" sz="2000"/>
+              <a:t>TD</a:t>
+            </a:r>
+            <a:r>
+              <a:rPr sz="2000"/>
+              <a:t>，高级管理员角色</a:t>
+            </a:r>
+            <a:endParaRPr lang="zh-CN" altLang="en-US" sz="2000"/>
+          </a:p>
+          <a:p>
+            <a:endParaRPr lang="zh-CN" altLang="en-US" sz="2000"/>
+          </a:p>
+          <a:p>
+            <a:r>
+              <a:rPr lang="zh-CN" altLang="en-US" sz="2000" b="1"/>
+              <a:t>操作特性：</a:t>
+            </a:r>
+            <a:r>
+              <a:rPr lang="zh-CN" altLang="en-US" sz="2000"/>
+              <a:t>高权限，输入粒度小且数量较多，输出粒度大且数量少</a:t>
+            </a:r>
+            <a:endParaRPr lang="zh-CN" altLang="en-US" sz="2000"/>
+          </a:p>
+          <a:p>
+            <a:endParaRPr lang="zh-CN" altLang="en-US" sz="2000"/>
+          </a:p>
+          <a:p>
+            <a:r>
+              <a:rPr lang="zh-CN" altLang="en-US" sz="2000" b="1"/>
+              <a:t>数据结构</a:t>
+            </a:r>
+            <a:r>
+              <a:rPr lang="zh-CN" altLang="en-US" sz="2000"/>
+              <a:t>：位图，结构简单，实现成本极低</a:t>
+            </a:r>
+            <a:endParaRPr lang="zh-CN" altLang="en-US" sz="2000"/>
+          </a:p>
+          <a:p>
+            <a:pPr lvl="1"/>
+            <a:r>
+              <a:rPr lang="zh-CN" altLang="en-US" sz="2000"/>
+              <a:t>输出的量对应状态少，位图位数不多，且输入的量大，位图的计算又相对快一些</a:t>
+            </a:r>
+            <a:endParaRPr lang="zh-CN" altLang="en-US" sz="2000"/>
+          </a:p>
+          <a:p>
+            <a:endParaRPr lang="zh-CN" altLang="en-US" sz="2000"/>
+          </a:p>
+          <a:p>
+            <a:endParaRPr lang="zh-CN" altLang="en-US" sz="2000"/>
+          </a:p>
+        </p:txBody>
+      </p:sp>
+    </p:spTree>
+  </p:cSld>
+  <p:clrMapOvr>
+    <a:masterClrMapping/>
+  </p:clrMapOvr>
+</p:sld>
+</file>
+
+<file path=ppt/slides/slide4.xml><?xml version="1.0" encoding="utf-8"?>
+<p:sld xmlns:a="http://schemas.openxmlformats.org/drawingml/2006/main" xmlns:r="http://schemas.openxmlformats.org/officeDocument/2006/relationships" xmlns:p="http://schemas.openxmlformats.org/presentationml/2006/main">
+  <p:cSld>
+    <p:spTree>
+      <p:nvGrpSpPr>
+        <p:cNvPr id="1" name=""/>
+        <p:cNvGrpSpPr/>
+        <p:nvPr/>
+      </p:nvGrpSpPr>
+      <p:grpSpPr/>
+      <p:sp>
+        <p:nvSpPr>
+          <p:cNvPr id="2" name="文本框 1"/>
+          <p:cNvSpPr txBox="1"/>
+          <p:nvPr/>
+        </p:nvSpPr>
+        <p:spPr>
+          <a:xfrm>
+            <a:off x="598805" y="230505"/>
+            <a:ext cx="9901555" cy="583565"/>
+          </a:xfrm>
+          <a:prstGeom prst="rect">
+            <a:avLst/>
+          </a:prstGeom>
+          <a:noFill/>
+        </p:spPr>
+        <p:txBody>
+          <a:bodyPr wrap="square" rtlCol="0">
+            <a:spAutoFit/>
+          </a:bodyPr>
+          <a:p>
+            <a:r>
+              <a:rPr lang="zh-CN" altLang="en-US" sz="3200" b="1"/>
+              <a:t>概念引入</a:t>
+            </a:r>
+            <a:endParaRPr lang="zh-CN" altLang="en-US" sz="3200" b="1"/>
+          </a:p>
+        </p:txBody>
+      </p:sp>
+      <p:sp>
+        <p:nvSpPr>
+          <p:cNvPr id="3" name="文本框 2"/>
+          <p:cNvSpPr txBox="1"/>
+          <p:nvPr/>
+        </p:nvSpPr>
+        <p:spPr>
+          <a:xfrm>
+            <a:off x="598805" y="1086485"/>
+            <a:ext cx="8310880" cy="521970"/>
+          </a:xfrm>
+          <a:prstGeom prst="rect">
+            <a:avLst/>
+          </a:prstGeom>
+          <a:noFill/>
+        </p:spPr>
+        <p:txBody>
+          <a:bodyPr wrap="none" rtlCol="0">
+            <a:spAutoFit/>
+          </a:bodyPr>
+          <a:p>
+            <a:pPr algn="l"/>
+            <a:r>
+              <a:rPr lang="zh-CN" altLang="en-US" sz="2800" b="1"/>
+              <a:t>最终目的</a:t>
+            </a:r>
+            <a:r>
+              <a:rPr lang="en-US" altLang="zh-CN" sz="2800" b="1"/>
+              <a:t>:  </a:t>
+            </a:r>
+            <a:r>
+              <a:rPr lang="zh-CN" altLang="en-US" sz="2800"/>
+              <a:t>把</a:t>
+            </a:r>
+            <a:r>
+              <a:rPr lang="zh-CN" altLang="en-US" sz="2800" b="1">
+                <a:highlight>
+                  <a:srgbClr val="FFFF00"/>
+                </a:highlight>
+              </a:rPr>
+              <a:t>参评人</a:t>
+            </a:r>
+            <a:r>
+              <a:rPr lang="zh-CN" altLang="en-US" sz="2800"/>
+              <a:t>按照</a:t>
+            </a:r>
+            <a:r>
+              <a:rPr lang="zh-CN" altLang="en-US" sz="2800" b="1">
+                <a:highlight>
+                  <a:srgbClr val="FFFF00"/>
+                </a:highlight>
+              </a:rPr>
+              <a:t>条件</a:t>
+            </a:r>
+            <a:r>
+              <a:rPr lang="zh-CN" altLang="en-US" sz="2800">
+                <a:sym typeface="+mn-ea"/>
+              </a:rPr>
+              <a:t>进行</a:t>
+            </a:r>
+            <a:r>
+              <a:rPr lang="zh-CN" altLang="en-US" sz="2800" b="1">
+                <a:highlight>
+                  <a:srgbClr val="FFFF00"/>
+                </a:highlight>
+              </a:rPr>
+              <a:t>运算</a:t>
+            </a:r>
+            <a:r>
+              <a:rPr lang="zh-CN" altLang="en-US" sz="2800">
+                <a:sym typeface="+mn-ea"/>
+              </a:rPr>
+              <a:t>分</a:t>
+            </a:r>
+            <a:r>
+              <a:rPr lang="zh-CN" altLang="en-US" sz="2800"/>
+              <a:t>到不同的</a:t>
+            </a:r>
+            <a:r>
+              <a:rPr lang="zh-CN" altLang="en-US" sz="2800" b="1">
+                <a:highlight>
+                  <a:srgbClr val="FFFF00"/>
+                </a:highlight>
+              </a:rPr>
+              <a:t>组</a:t>
+            </a:r>
+            <a:endParaRPr lang="zh-CN" altLang="en-US" sz="2800"/>
+          </a:p>
+        </p:txBody>
+      </p:sp>
+      <p:sp>
+        <p:nvSpPr>
+          <p:cNvPr id="6" name="文本框 5"/>
+          <p:cNvSpPr txBox="1"/>
+          <p:nvPr/>
+        </p:nvSpPr>
+        <p:spPr>
+          <a:xfrm>
+            <a:off x="598805" y="1880870"/>
+            <a:ext cx="10996930" cy="953135"/>
+          </a:xfrm>
+          <a:prstGeom prst="rect">
+            <a:avLst/>
+          </a:prstGeom>
+          <a:noFill/>
+        </p:spPr>
+        <p:txBody>
+          <a:bodyPr wrap="none" rtlCol="0">
+            <a:spAutoFit/>
+          </a:bodyPr>
+          <a:p>
+            <a:r>
+              <a:rPr lang="zh-CN" altLang="en-US" sz="2800" b="1"/>
+              <a:t>组</a:t>
+            </a:r>
+            <a:r>
+              <a:rPr lang="en-US" altLang="zh-CN" sz="2800"/>
+              <a:t>:</a:t>
+            </a:r>
+            <a:r>
+              <a:rPr lang="zh-CN" altLang="en-US" sz="2800"/>
+              <a:t> 具有优先级概念</a:t>
+            </a:r>
+            <a:r>
+              <a:rPr lang="en-US" altLang="zh-CN" sz="2800"/>
+              <a:t>(</a:t>
+            </a:r>
+            <a:r>
+              <a:rPr lang="zh-CN" altLang="en-US" sz="2800"/>
+              <a:t>即 </a:t>
+            </a:r>
+            <a:r>
+              <a:rPr lang="en-US" altLang="zh-CN" sz="2800"/>
+              <a:t>A</a:t>
+            </a:r>
+            <a:r>
+              <a:rPr lang="zh-CN" altLang="en-US" sz="2800"/>
+              <a:t>，</a:t>
+            </a:r>
+            <a:r>
+              <a:rPr lang="en-US" altLang="zh-CN" sz="2800"/>
+              <a:t>B</a:t>
+            </a:r>
+            <a:r>
+              <a:rPr lang="zh-CN" altLang="en-US" sz="2800"/>
+              <a:t>，</a:t>
+            </a:r>
+            <a:r>
+              <a:rPr lang="en-US" altLang="zh-CN" sz="2800"/>
+              <a:t>C)</a:t>
+            </a:r>
+            <a:r>
+              <a:rPr lang="zh-CN" altLang="en-US" sz="2800"/>
+              <a:t>，一个参评人可能同时满足多个组的</a:t>
+            </a:r>
+            <a:endParaRPr lang="zh-CN" altLang="en-US" sz="2800"/>
+          </a:p>
+          <a:p>
+            <a:r>
+              <a:rPr lang="zh-CN" altLang="en-US" sz="2800"/>
+              <a:t>条件，这时要选择优先级高的组</a:t>
+            </a:r>
+            <a:endParaRPr lang="zh-CN" altLang="en-US" sz="2800"/>
+          </a:p>
+        </p:txBody>
+      </p:sp>
+      <p:sp>
+        <p:nvSpPr>
+          <p:cNvPr id="7" name="文本框 6"/>
+          <p:cNvSpPr txBox="1"/>
+          <p:nvPr/>
+        </p:nvSpPr>
+        <p:spPr>
+          <a:xfrm>
+            <a:off x="598805" y="4331970"/>
+            <a:ext cx="10340340" cy="521970"/>
+          </a:xfrm>
+          <a:prstGeom prst="rect">
+            <a:avLst/>
+          </a:prstGeom>
+          <a:noFill/>
+        </p:spPr>
+        <p:txBody>
+          <a:bodyPr wrap="none" rtlCol="0">
+            <a:spAutoFit/>
+          </a:bodyPr>
+          <a:p>
+            <a:pPr algn="l"/>
+            <a:r>
+              <a:rPr lang="zh-CN" altLang="en-US" sz="2800" b="1"/>
+              <a:t>维度选项</a:t>
+            </a:r>
+            <a:r>
+              <a:rPr lang="en-US" altLang="zh-CN" sz="2800"/>
+              <a:t>: </a:t>
+            </a:r>
+            <a:r>
+              <a:rPr lang="zh-CN" altLang="en-US" sz="2800">
+                <a:sym typeface="+mn-ea"/>
+              </a:rPr>
+              <a:t>描述了</a:t>
+            </a:r>
+            <a:r>
+              <a:rPr lang="zh-CN" altLang="en-US" sz="2800"/>
+              <a:t>通过参评人可直接获得或者间接进行关联的对象</a:t>
+            </a:r>
+            <a:endParaRPr lang="zh-CN" altLang="en-US" sz="2800"/>
+          </a:p>
+        </p:txBody>
+      </p:sp>
+      <p:sp>
+        <p:nvSpPr>
+          <p:cNvPr id="8" name="文本框 7"/>
+          <p:cNvSpPr txBox="1"/>
+          <p:nvPr/>
+        </p:nvSpPr>
+        <p:spPr>
+          <a:xfrm>
+            <a:off x="598805" y="3106420"/>
+            <a:ext cx="11050905" cy="953135"/>
+          </a:xfrm>
+          <a:prstGeom prst="rect">
+            <a:avLst/>
+          </a:prstGeom>
+          <a:noFill/>
+        </p:spPr>
+        <p:txBody>
+          <a:bodyPr wrap="none" rtlCol="0">
+            <a:spAutoFit/>
+          </a:bodyPr>
+          <a:p>
+            <a:r>
+              <a:rPr lang="zh-CN" altLang="en-US" sz="2800" b="1"/>
+              <a:t>条件</a:t>
+            </a:r>
+            <a:r>
+              <a:rPr lang="en-US" altLang="zh-CN" sz="2800"/>
+              <a:t>: </a:t>
+            </a:r>
+            <a:r>
+              <a:rPr lang="zh-CN" altLang="en-US" sz="2800"/>
+              <a:t>组内的条件默认使用</a:t>
+            </a:r>
+            <a:r>
+              <a:rPr lang="zh-CN" altLang="en-US" sz="2800" b="1"/>
+              <a:t>且</a:t>
+            </a:r>
+            <a:r>
+              <a:rPr lang="zh-CN" altLang="en-US" sz="2800"/>
+              <a:t>的关系进行运算，条件的构成分为左侧的</a:t>
+            </a:r>
+            <a:endParaRPr lang="zh-CN" altLang="en-US" sz="2800"/>
+          </a:p>
+          <a:p>
+            <a:r>
+              <a:rPr lang="zh-CN" altLang="en-US" sz="2800" b="1"/>
+              <a:t>维度选项</a:t>
+            </a:r>
+            <a:r>
+              <a:rPr lang="zh-CN" altLang="en-US" sz="2800"/>
+              <a:t>，中间的</a:t>
+            </a:r>
+            <a:r>
+              <a:rPr lang="zh-CN" altLang="en-US" sz="2800" b="1"/>
+              <a:t>运算符</a:t>
+            </a:r>
+            <a:r>
+              <a:rPr lang="zh-CN" altLang="en-US" sz="2800"/>
+              <a:t>，以及右侧</a:t>
+            </a:r>
+            <a:r>
+              <a:rPr lang="zh-CN" altLang="en-US" sz="2800" b="1"/>
+              <a:t>维度值</a:t>
+            </a:r>
+            <a:endParaRPr lang="zh-CN" altLang="en-US" sz="2800" b="1"/>
+          </a:p>
+        </p:txBody>
+      </p:sp>
+      <p:sp>
+        <p:nvSpPr>
+          <p:cNvPr id="9" name="文本框 8"/>
+          <p:cNvSpPr txBox="1"/>
+          <p:nvPr/>
+        </p:nvSpPr>
+        <p:spPr>
+          <a:xfrm>
+            <a:off x="598805" y="5126355"/>
+            <a:ext cx="7870190" cy="521970"/>
+          </a:xfrm>
+          <a:prstGeom prst="rect">
+            <a:avLst/>
+          </a:prstGeom>
+          <a:noFill/>
+        </p:spPr>
+        <p:txBody>
+          <a:bodyPr wrap="none" rtlCol="0">
+            <a:spAutoFit/>
+          </a:bodyPr>
+          <a:p>
+            <a:r>
+              <a:rPr lang="zh-CN" altLang="en-US" sz="2800" b="1"/>
+              <a:t>运算符</a:t>
+            </a:r>
+            <a:r>
+              <a:rPr lang="en-US" altLang="zh-CN" sz="2800"/>
+              <a:t>:</a:t>
+            </a:r>
+            <a:r>
+              <a:rPr lang="zh-CN" altLang="en-US" sz="2800"/>
+              <a:t>目前仅需要支持包含于，不包含于即可 </a:t>
+            </a:r>
+            <a:r>
+              <a:rPr lang="en-US" altLang="zh-CN" sz="2800"/>
+              <a:t>ex</a:t>
+            </a:r>
+            <a:endParaRPr lang="en-US" altLang="zh-CN" sz="2800"/>
+          </a:p>
+        </p:txBody>
+      </p:sp>
+      <p:sp>
+        <p:nvSpPr>
+          <p:cNvPr id="11" name="文本框 10"/>
+          <p:cNvSpPr txBox="1"/>
+          <p:nvPr/>
+        </p:nvSpPr>
+        <p:spPr>
+          <a:xfrm>
+            <a:off x="598805" y="5920740"/>
+            <a:ext cx="7396480" cy="521970"/>
+          </a:xfrm>
+          <a:prstGeom prst="rect">
+            <a:avLst/>
+          </a:prstGeom>
+          <a:noFill/>
+        </p:spPr>
+        <p:txBody>
+          <a:bodyPr wrap="none" rtlCol="0">
+            <a:spAutoFit/>
+          </a:bodyPr>
+          <a:p>
+            <a:r>
+              <a:rPr lang="zh-CN" altLang="en-US" sz="2800" b="1"/>
+              <a:t>维值输入</a:t>
+            </a:r>
+            <a:r>
+              <a:rPr lang="en-US" altLang="zh-CN" sz="2800"/>
+              <a:t>:</a:t>
+            </a:r>
+            <a:r>
+              <a:rPr lang="zh-CN" altLang="en-US" sz="2800"/>
+              <a:t>左侧维度可能出现的维值选项，多选</a:t>
+            </a:r>
+            <a:endParaRPr lang="zh-CN" altLang="en-US" sz="2800"/>
+          </a:p>
+        </p:txBody>
+      </p:sp>
+    </p:spTree>
+  </p:cSld>
+  <p:clrMapOvr>
+    <a:masterClrMapping/>
+  </p:clrMapOvr>
+</p:sld>
+</file>
+
+<file path=ppt/slides/slide5.xml><?xml version="1.0" encoding="utf-8"?>
+<p:sld xmlns:a="http://schemas.openxmlformats.org/drawingml/2006/main" xmlns:r="http://schemas.openxmlformats.org/officeDocument/2006/relationships" xmlns:p="http://schemas.openxmlformats.org/presentationml/2006/main">
+  <p:cSld>
+    <p:spTree>
+      <p:nvGrpSpPr>
+        <p:cNvPr id="1" name=""/>
+        <p:cNvGrpSpPr/>
+        <p:nvPr/>
+      </p:nvGrpSpPr>
+      <p:grpSpPr/>
+      <p:sp>
+        <p:nvSpPr>
+          <p:cNvPr id="2" name="文本框 1"/>
+          <p:cNvSpPr txBox="1"/>
+          <p:nvPr/>
+        </p:nvSpPr>
+        <p:spPr>
+          <a:xfrm>
+            <a:off x="188595" y="230505"/>
+            <a:ext cx="9901555" cy="1076325"/>
+          </a:xfrm>
+          <a:prstGeom prst="rect">
+            <a:avLst/>
+          </a:prstGeom>
+          <a:noFill/>
+        </p:spPr>
+        <p:txBody>
+          <a:bodyPr wrap="square" rtlCol="0">
+            <a:spAutoFit/>
+          </a:bodyPr>
+          <a:p>
+            <a:r>
+              <a:rPr lang="zh-CN" altLang="en-US" sz="3200" b="1"/>
+              <a:t>运算</a:t>
+            </a:r>
+            <a:endParaRPr lang="zh-CN" altLang="en-US" sz="3200" b="1"/>
+          </a:p>
+          <a:p>
+            <a:r>
+              <a:rPr lang="zh-CN" altLang="en-US" sz="3200" b="1"/>
+              <a:t>业务意义</a:t>
+            </a:r>
+            <a:endParaRPr lang="zh-CN" altLang="en-US" sz="3200" b="1"/>
+          </a:p>
+        </p:txBody>
+      </p:sp>
+      <p:sp>
+        <p:nvSpPr>
+          <p:cNvPr id="4" name="文本框 3"/>
+          <p:cNvSpPr txBox="1"/>
+          <p:nvPr/>
+        </p:nvSpPr>
+        <p:spPr>
+          <a:xfrm>
+            <a:off x="432435" y="2099945"/>
+            <a:ext cx="1099820" cy="368300"/>
+          </a:xfrm>
+          <a:prstGeom prst="rect">
+            <a:avLst/>
+          </a:prstGeom>
+          <a:noFill/>
+        </p:spPr>
+        <p:txBody>
+          <a:bodyPr wrap="none" rtlCol="0">
+            <a:spAutoFit/>
+          </a:bodyPr>
+          <a:p>
+            <a:r>
+              <a:rPr lang="zh-CN" altLang="en-US" b="1"/>
+              <a:t>可区别性</a:t>
+            </a:r>
+            <a:endParaRPr lang="zh-CN" altLang="en-US" b="1"/>
+          </a:p>
+        </p:txBody>
+      </p:sp>
+      <p:sp>
+        <p:nvSpPr>
+          <p:cNvPr id="5" name="文本框 4"/>
+          <p:cNvSpPr txBox="1"/>
+          <p:nvPr/>
+        </p:nvSpPr>
+        <p:spPr>
+          <a:xfrm>
+            <a:off x="432435" y="4826635"/>
+            <a:ext cx="1097280" cy="368300"/>
+          </a:xfrm>
+          <a:prstGeom prst="rect">
+            <a:avLst/>
+          </a:prstGeom>
+          <a:noFill/>
+        </p:spPr>
+        <p:txBody>
+          <a:bodyPr wrap="none" rtlCol="0">
+            <a:spAutoFit/>
+          </a:bodyPr>
+          <a:p>
+            <a:r>
+              <a:rPr lang="zh-CN" altLang="en-US"/>
+              <a:t>可比较性</a:t>
+            </a:r>
+            <a:endParaRPr lang="zh-CN" altLang="en-US"/>
+          </a:p>
+        </p:txBody>
+      </p:sp>
+      <p:pic>
+        <p:nvPicPr>
+          <p:cNvPr id="6" name="图片 5"/>
+          <p:cNvPicPr>
+            <a:picLocks noChangeAspect="1"/>
+          </p:cNvPicPr>
+          <p:nvPr/>
+        </p:nvPicPr>
+        <p:blipFill>
+          <a:blip r:embed="rId1"/>
+          <a:stretch>
+            <a:fillRect/>
+          </a:stretch>
+        </p:blipFill>
+        <p:spPr>
+          <a:xfrm>
+            <a:off x="2839085" y="0"/>
+            <a:ext cx="8883650" cy="6717030"/>
           </a:xfrm>
           <a:prstGeom prst="rect">
             <a:avLst/>
@@ -5621,410 +6194,7 @@
 </p:sld>
 </file>
 
-<file path=ppt/slides/slide4.xml><?xml version="1.0" encoding="utf-8"?>
-<p:sld xmlns:a="http://schemas.openxmlformats.org/drawingml/2006/main" xmlns:r="http://schemas.openxmlformats.org/officeDocument/2006/relationships" xmlns:p="http://schemas.openxmlformats.org/presentationml/2006/main">
-  <p:cSld>
-    <p:spTree>
-      <p:nvGrpSpPr>
-        <p:cNvPr id="1" name=""/>
-        <p:cNvGrpSpPr/>
-        <p:nvPr/>
-      </p:nvGrpSpPr>
-      <p:grpSpPr/>
-      <p:sp>
-        <p:nvSpPr>
-          <p:cNvPr id="2" name="文本框 1"/>
-          <p:cNvSpPr txBox="1"/>
-          <p:nvPr/>
-        </p:nvSpPr>
-        <p:spPr>
-          <a:xfrm>
-            <a:off x="598805" y="230505"/>
-            <a:ext cx="9901555" cy="583565"/>
-          </a:xfrm>
-          <a:prstGeom prst="rect">
-            <a:avLst/>
-          </a:prstGeom>
-          <a:noFill/>
-        </p:spPr>
-        <p:txBody>
-          <a:bodyPr wrap="square" rtlCol="0">
-            <a:spAutoFit/>
-          </a:bodyPr>
-          <a:p>
-            <a:r>
-              <a:rPr lang="zh-CN" altLang="en-US" sz="3200" b="1"/>
-              <a:t>概念引入</a:t>
-            </a:r>
-            <a:endParaRPr lang="zh-CN" altLang="en-US" sz="3200" b="1"/>
-          </a:p>
-        </p:txBody>
-      </p:sp>
-      <p:sp>
-        <p:nvSpPr>
-          <p:cNvPr id="3" name="文本框 2"/>
-          <p:cNvSpPr txBox="1"/>
-          <p:nvPr/>
-        </p:nvSpPr>
-        <p:spPr>
-          <a:xfrm>
-            <a:off x="598805" y="1086485"/>
-            <a:ext cx="8310880" cy="521970"/>
-          </a:xfrm>
-          <a:prstGeom prst="rect">
-            <a:avLst/>
-          </a:prstGeom>
-          <a:noFill/>
-        </p:spPr>
-        <p:txBody>
-          <a:bodyPr wrap="none" rtlCol="0">
-            <a:spAutoFit/>
-          </a:bodyPr>
-          <a:p>
-            <a:pPr algn="l"/>
-            <a:r>
-              <a:rPr lang="zh-CN" altLang="en-US" sz="2800" b="1"/>
-              <a:t>最终目的</a:t>
-            </a:r>
-            <a:r>
-              <a:rPr lang="en-US" altLang="zh-CN" sz="2800" b="1"/>
-              <a:t>:  </a:t>
-            </a:r>
-            <a:r>
-              <a:rPr lang="zh-CN" altLang="en-US" sz="2800"/>
-              <a:t>把</a:t>
-            </a:r>
-            <a:r>
-              <a:rPr lang="zh-CN" altLang="en-US" sz="2800" b="1">
-                <a:highlight>
-                  <a:srgbClr val="FFFF00"/>
-                </a:highlight>
-              </a:rPr>
-              <a:t>参评人</a:t>
-            </a:r>
-            <a:r>
-              <a:rPr lang="zh-CN" altLang="en-US" sz="2800"/>
-              <a:t>按照</a:t>
-            </a:r>
-            <a:r>
-              <a:rPr lang="zh-CN" altLang="en-US" sz="2800" b="1">
-                <a:highlight>
-                  <a:srgbClr val="FFFF00"/>
-                </a:highlight>
-              </a:rPr>
-              <a:t>条件</a:t>
-            </a:r>
-            <a:r>
-              <a:rPr lang="zh-CN" altLang="en-US" sz="2800">
-                <a:sym typeface="+mn-ea"/>
-              </a:rPr>
-              <a:t>进行</a:t>
-            </a:r>
-            <a:r>
-              <a:rPr lang="zh-CN" altLang="en-US" sz="2800" b="1">
-                <a:highlight>
-                  <a:srgbClr val="FFFF00"/>
-                </a:highlight>
-              </a:rPr>
-              <a:t>运算</a:t>
-            </a:r>
-            <a:r>
-              <a:rPr lang="zh-CN" altLang="en-US" sz="2800">
-                <a:sym typeface="+mn-ea"/>
-              </a:rPr>
-              <a:t>分</a:t>
-            </a:r>
-            <a:r>
-              <a:rPr lang="zh-CN" altLang="en-US" sz="2800"/>
-              <a:t>到不同的</a:t>
-            </a:r>
-            <a:r>
-              <a:rPr lang="zh-CN" altLang="en-US" sz="2800" b="1">
-                <a:highlight>
-                  <a:srgbClr val="FFFF00"/>
-                </a:highlight>
-              </a:rPr>
-              <a:t>组</a:t>
-            </a:r>
-            <a:endParaRPr lang="zh-CN" altLang="en-US" sz="2800"/>
-          </a:p>
-        </p:txBody>
-      </p:sp>
-      <p:sp>
-        <p:nvSpPr>
-          <p:cNvPr id="6" name="文本框 5"/>
-          <p:cNvSpPr txBox="1"/>
-          <p:nvPr/>
-        </p:nvSpPr>
-        <p:spPr>
-          <a:xfrm>
-            <a:off x="598805" y="1880870"/>
-            <a:ext cx="10996930" cy="953135"/>
-          </a:xfrm>
-          <a:prstGeom prst="rect">
-            <a:avLst/>
-          </a:prstGeom>
-          <a:noFill/>
-        </p:spPr>
-        <p:txBody>
-          <a:bodyPr wrap="none" rtlCol="0">
-            <a:spAutoFit/>
-          </a:bodyPr>
-          <a:p>
-            <a:r>
-              <a:rPr lang="zh-CN" altLang="en-US" sz="2800" b="1"/>
-              <a:t>组</a:t>
-            </a:r>
-            <a:r>
-              <a:rPr lang="en-US" altLang="zh-CN" sz="2800"/>
-              <a:t>:</a:t>
-            </a:r>
-            <a:r>
-              <a:rPr lang="zh-CN" altLang="en-US" sz="2800"/>
-              <a:t> 具有优先级概念</a:t>
-            </a:r>
-            <a:r>
-              <a:rPr lang="en-US" altLang="zh-CN" sz="2800"/>
-              <a:t>(</a:t>
-            </a:r>
-            <a:r>
-              <a:rPr lang="zh-CN" altLang="en-US" sz="2800"/>
-              <a:t>即 </a:t>
-            </a:r>
-            <a:r>
-              <a:rPr lang="en-US" altLang="zh-CN" sz="2800"/>
-              <a:t>A</a:t>
-            </a:r>
-            <a:r>
-              <a:rPr lang="zh-CN" altLang="en-US" sz="2800"/>
-              <a:t>，</a:t>
-            </a:r>
-            <a:r>
-              <a:rPr lang="en-US" altLang="zh-CN" sz="2800"/>
-              <a:t>B</a:t>
-            </a:r>
-            <a:r>
-              <a:rPr lang="zh-CN" altLang="en-US" sz="2800"/>
-              <a:t>，</a:t>
-            </a:r>
-            <a:r>
-              <a:rPr lang="en-US" altLang="zh-CN" sz="2800"/>
-              <a:t>C)</a:t>
-            </a:r>
-            <a:r>
-              <a:rPr lang="zh-CN" altLang="en-US" sz="2800"/>
-              <a:t>，一个参评人可能同时满足多个组的</a:t>
-            </a:r>
-            <a:endParaRPr lang="zh-CN" altLang="en-US" sz="2800"/>
-          </a:p>
-          <a:p>
-            <a:r>
-              <a:rPr lang="zh-CN" altLang="en-US" sz="2800"/>
-              <a:t>条件，这时要选择优先级高的组</a:t>
-            </a:r>
-            <a:endParaRPr lang="zh-CN" altLang="en-US" sz="2800"/>
-          </a:p>
-        </p:txBody>
-      </p:sp>
-      <p:sp>
-        <p:nvSpPr>
-          <p:cNvPr id="7" name="文本框 6"/>
-          <p:cNvSpPr txBox="1"/>
-          <p:nvPr/>
-        </p:nvSpPr>
-        <p:spPr>
-          <a:xfrm>
-            <a:off x="598805" y="4331970"/>
-            <a:ext cx="10340340" cy="521970"/>
-          </a:xfrm>
-          <a:prstGeom prst="rect">
-            <a:avLst/>
-          </a:prstGeom>
-          <a:noFill/>
-        </p:spPr>
-        <p:txBody>
-          <a:bodyPr wrap="none" rtlCol="0">
-            <a:spAutoFit/>
-          </a:bodyPr>
-          <a:p>
-            <a:pPr algn="l"/>
-            <a:r>
-              <a:rPr lang="zh-CN" altLang="en-US" sz="2800" b="1"/>
-              <a:t>维度选项</a:t>
-            </a:r>
-            <a:r>
-              <a:rPr lang="en-US" altLang="zh-CN" sz="2800"/>
-              <a:t>: </a:t>
-            </a:r>
-            <a:r>
-              <a:rPr lang="zh-CN" altLang="en-US" sz="2800">
-                <a:sym typeface="+mn-ea"/>
-              </a:rPr>
-              <a:t>描述了</a:t>
-            </a:r>
-            <a:r>
-              <a:rPr lang="zh-CN" altLang="en-US" sz="2800"/>
-              <a:t>通过参评人可直接获得或者间接进行关联的对象</a:t>
-            </a:r>
-            <a:endParaRPr lang="zh-CN" altLang="en-US" sz="2800"/>
-          </a:p>
-        </p:txBody>
-      </p:sp>
-      <p:sp>
-        <p:nvSpPr>
-          <p:cNvPr id="8" name="文本框 7"/>
-          <p:cNvSpPr txBox="1"/>
-          <p:nvPr/>
-        </p:nvSpPr>
-        <p:spPr>
-          <a:xfrm>
-            <a:off x="598805" y="3106420"/>
-            <a:ext cx="11050905" cy="953135"/>
-          </a:xfrm>
-          <a:prstGeom prst="rect">
-            <a:avLst/>
-          </a:prstGeom>
-          <a:noFill/>
-        </p:spPr>
-        <p:txBody>
-          <a:bodyPr wrap="none" rtlCol="0">
-            <a:spAutoFit/>
-          </a:bodyPr>
-          <a:p>
-            <a:r>
-              <a:rPr lang="zh-CN" altLang="en-US" sz="2800" b="1"/>
-              <a:t>条件</a:t>
-            </a:r>
-            <a:r>
-              <a:rPr lang="en-US" altLang="zh-CN" sz="2800"/>
-              <a:t>: </a:t>
-            </a:r>
-            <a:r>
-              <a:rPr lang="zh-CN" altLang="en-US" sz="2800"/>
-              <a:t>组内的条件默认使用</a:t>
-            </a:r>
-            <a:r>
-              <a:rPr lang="zh-CN" altLang="en-US" sz="2800" b="1"/>
-              <a:t>且</a:t>
-            </a:r>
-            <a:r>
-              <a:rPr lang="zh-CN" altLang="en-US" sz="2800"/>
-              <a:t>的关系进行运算，条件的构成分为左侧的</a:t>
-            </a:r>
-            <a:endParaRPr lang="zh-CN" altLang="en-US" sz="2800"/>
-          </a:p>
-          <a:p>
-            <a:r>
-              <a:rPr lang="zh-CN" altLang="en-US" sz="2800" b="1"/>
-              <a:t>维度选项</a:t>
-            </a:r>
-            <a:r>
-              <a:rPr lang="zh-CN" altLang="en-US" sz="2800"/>
-              <a:t>，中间的</a:t>
-            </a:r>
-            <a:r>
-              <a:rPr lang="zh-CN" altLang="en-US" sz="2800" b="1"/>
-              <a:t>运算符</a:t>
-            </a:r>
-            <a:r>
-              <a:rPr lang="zh-CN" altLang="en-US" sz="2800"/>
-              <a:t>，以及右侧</a:t>
-            </a:r>
-            <a:r>
-              <a:rPr lang="zh-CN" altLang="en-US" sz="2800" b="1"/>
-              <a:t>维度值</a:t>
-            </a:r>
-            <a:endParaRPr lang="zh-CN" altLang="en-US" sz="2800" b="1"/>
-          </a:p>
-        </p:txBody>
-      </p:sp>
-      <p:sp>
-        <p:nvSpPr>
-          <p:cNvPr id="9" name="文本框 8"/>
-          <p:cNvSpPr txBox="1"/>
-          <p:nvPr/>
-        </p:nvSpPr>
-        <p:spPr>
-          <a:xfrm>
-            <a:off x="598805" y="5126355"/>
-            <a:ext cx="7870190" cy="521970"/>
-          </a:xfrm>
-          <a:prstGeom prst="rect">
-            <a:avLst/>
-          </a:prstGeom>
-          <a:noFill/>
-        </p:spPr>
-        <p:txBody>
-          <a:bodyPr wrap="none" rtlCol="0">
-            <a:spAutoFit/>
-          </a:bodyPr>
-          <a:p>
-            <a:r>
-              <a:rPr lang="zh-CN" altLang="en-US" sz="2800" b="1"/>
-              <a:t>运算符</a:t>
-            </a:r>
-            <a:r>
-              <a:rPr lang="en-US" altLang="zh-CN" sz="2800"/>
-              <a:t>:</a:t>
-            </a:r>
-            <a:r>
-              <a:rPr lang="zh-CN" altLang="en-US" sz="2800"/>
-              <a:t>目前仅需要支持包含于，不包含于即可 </a:t>
-            </a:r>
-            <a:r>
-              <a:rPr lang="en-US" altLang="zh-CN" sz="2800"/>
-              <a:t>ex</a:t>
-            </a:r>
-            <a:endParaRPr lang="en-US" altLang="zh-CN" sz="2800"/>
-          </a:p>
-        </p:txBody>
-      </p:sp>
-      <p:sp>
-        <p:nvSpPr>
-          <p:cNvPr id="11" name="文本框 10"/>
-          <p:cNvSpPr txBox="1"/>
-          <p:nvPr/>
-        </p:nvSpPr>
-        <p:spPr>
-          <a:xfrm>
-            <a:off x="598805" y="5920740"/>
-            <a:ext cx="7396480" cy="521970"/>
-          </a:xfrm>
-          <a:prstGeom prst="rect">
-            <a:avLst/>
-          </a:prstGeom>
-          <a:noFill/>
-        </p:spPr>
-        <p:txBody>
-          <a:bodyPr wrap="none" rtlCol="0">
-            <a:spAutoFit/>
-          </a:bodyPr>
-          <a:p>
-            <a:r>
-              <a:rPr lang="zh-CN" altLang="en-US" sz="2800" b="1"/>
-              <a:t>维值输入</a:t>
-            </a:r>
-            <a:r>
-              <a:rPr lang="en-US" altLang="zh-CN" sz="2800"/>
-              <a:t>:</a:t>
-            </a:r>
-            <a:r>
-              <a:rPr lang="zh-CN" altLang="en-US" sz="2800"/>
-              <a:t>左侧维度可能出现的维值选项，多选</a:t>
-            </a:r>
-            <a:endParaRPr lang="zh-CN" altLang="en-US" sz="2800"/>
-          </a:p>
-        </p:txBody>
-      </p:sp>
-    </p:spTree>
-  </p:cSld>
-  <p:clrMapOvr>
-    <a:masterClrMapping/>
-  </p:clrMapOvr>
-</p:sld>
-</file>
-
-<file path=ppt/slides/slide5.xml><?xml version="1.0" encoding="utf-8"?>
+<file path=ppt/slides/slide6.xml><?xml version="1.0" encoding="utf-8"?>
 <p:sld xmlns:a="http://schemas.openxmlformats.org/drawingml/2006/main" xmlns:r="http://schemas.openxmlformats.org/officeDocument/2006/relationships" xmlns:p="http://schemas.openxmlformats.org/presentationml/2006/main">
   <p:cSld>
     <p:spTree>
@@ -6246,7 +6416,7 @@
 </p:sld>
 </file>
 
-<file path=ppt/slides/slide6.xml><?xml version="1.0" encoding="utf-8"?>
+<file path=ppt/slides/slide7.xml><?xml version="1.0" encoding="utf-8"?>
 <p:sld xmlns:a="http://schemas.openxmlformats.org/drawingml/2006/main" xmlns:r="http://schemas.openxmlformats.org/officeDocument/2006/relationships" xmlns:p="http://schemas.openxmlformats.org/presentationml/2006/main">
   <p:cSld>
     <p:spTree>
@@ -6341,7 +6511,7 @@
 </p:sld>
 </file>
 
-<file path=ppt/slides/slide7.xml><?xml version="1.0" encoding="utf-8"?>
+<file path=ppt/slides/slide8.xml><?xml version="1.0" encoding="utf-8"?>
 <p:sld xmlns:a="http://schemas.openxmlformats.org/drawingml/2006/main" xmlns:r="http://schemas.openxmlformats.org/officeDocument/2006/relationships" xmlns:p="http://schemas.openxmlformats.org/presentationml/2006/main">
   <p:cSld>
     <p:spTree>
@@ -6689,7 +6859,7 @@
 </p:sld>
 </file>
 
-<file path=ppt/slides/slide8.xml><?xml version="1.0" encoding="utf-8"?>
+<file path=ppt/slides/slide9.xml><?xml version="1.0" encoding="utf-8"?>
 <p:sld xmlns:a="http://schemas.openxmlformats.org/drawingml/2006/main" xmlns:r="http://schemas.openxmlformats.org/officeDocument/2006/relationships" xmlns:p="http://schemas.openxmlformats.org/presentationml/2006/main">
   <p:cSld>
     <p:spTree>
@@ -6750,256 +6920,6 @@
                 <a:hlinkClick r:id="rId2" action="ppaction://hlinkfile"/>
               </a:rPr>
               <a:t>https://www.processon.com/diagraming/6088c556e401fd51c18857c8</a:t>
-            </a:r>
-            <a:endParaRPr lang="zh-CN" altLang="en-US"/>
-          </a:p>
-        </p:txBody>
-      </p:sp>
-    </p:spTree>
-  </p:cSld>
-  <p:clrMapOvr>
-    <a:masterClrMapping/>
-  </p:clrMapOvr>
-</p:sld>
-</file>
-
-<file path=ppt/slides/slide9.xml><?xml version="1.0" encoding="utf-8"?>
-<p:sld xmlns:a="http://schemas.openxmlformats.org/drawingml/2006/main" xmlns:r="http://schemas.openxmlformats.org/officeDocument/2006/relationships" xmlns:p="http://schemas.openxmlformats.org/presentationml/2006/main">
-  <p:cSld>
-    <p:spTree>
-      <p:nvGrpSpPr>
-        <p:cNvPr id="1" name=""/>
-        <p:cNvGrpSpPr/>
-        <p:nvPr/>
-      </p:nvGrpSpPr>
-      <p:grpSpPr/>
-      <p:sp>
-        <p:nvSpPr>
-          <p:cNvPr id="5" name="文本框 4"/>
-          <p:cNvSpPr txBox="1"/>
-          <p:nvPr/>
-        </p:nvSpPr>
-        <p:spPr>
-          <a:xfrm>
-            <a:off x="597535" y="440055"/>
-            <a:ext cx="9901555" cy="583565"/>
-          </a:xfrm>
-          <a:prstGeom prst="rect">
-            <a:avLst/>
-          </a:prstGeom>
-          <a:noFill/>
-        </p:spPr>
-        <p:txBody>
-          <a:bodyPr wrap="square" rtlCol="0">
-            <a:spAutoFit/>
-          </a:bodyPr>
-          <a:p>
-            <a:r>
-              <a:rPr lang="zh-CN" altLang="en-US" sz="3200" b="1"/>
-              <a:t>测试用例</a:t>
-            </a:r>
-            <a:endParaRPr lang="zh-CN" altLang="en-US" sz="3200" b="1"/>
-          </a:p>
-        </p:txBody>
-      </p:sp>
-      <p:sp>
-        <p:nvSpPr>
-          <p:cNvPr id="8" name="文本框 7"/>
-          <p:cNvSpPr txBox="1"/>
-          <p:nvPr/>
-        </p:nvSpPr>
-        <p:spPr>
-          <a:xfrm>
-            <a:off x="808355" y="5267960"/>
-            <a:ext cx="1097280" cy="368300"/>
-          </a:xfrm>
-          <a:prstGeom prst="rect">
-            <a:avLst/>
-          </a:prstGeom>
-          <a:noFill/>
-        </p:spPr>
-        <p:txBody>
-          <a:bodyPr wrap="none" rtlCol="0">
-            <a:spAutoFit/>
-          </a:bodyPr>
-          <a:p>
-            <a:r>
-              <a:rPr lang="zh-CN" altLang="en-US">
-                <a:hlinkClick r:id="rId1" action="ppaction://hlinkfile"/>
-              </a:rPr>
-              <a:t>整理版本</a:t>
-            </a:r>
-            <a:endParaRPr lang="zh-CN" altLang="en-US"/>
-          </a:p>
-        </p:txBody>
-      </p:sp>
-      <p:sp>
-        <p:nvSpPr>
-          <p:cNvPr id="11" name="文本框 10"/>
-          <p:cNvSpPr txBox="1"/>
-          <p:nvPr/>
-        </p:nvSpPr>
-        <p:spPr>
-          <a:xfrm>
-            <a:off x="2367280" y="5267960"/>
-            <a:ext cx="8679180" cy="645160"/>
-          </a:xfrm>
-          <a:prstGeom prst="rect">
-            <a:avLst/>
-          </a:prstGeom>
-          <a:noFill/>
-        </p:spPr>
-        <p:txBody>
-          <a:bodyPr wrap="none" rtlCol="0">
-            <a:spAutoFit/>
-          </a:bodyPr>
-          <a:p>
-            <a:pPr algn="l"/>
-            <a:r>
-              <a:rPr lang="zh-CN" altLang="en-US">
-                <a:sym typeface="+mn-ea"/>
-                <a:hlinkClick r:id="rId2" action="ppaction://hlinkfile"/>
-              </a:rPr>
-              <a:t>https://github.com/ReZeroS/zerobox/tree/master/src/main/java/club/qqtim/dimension</a:t>
-            </a:r>
-            <a:endParaRPr lang="zh-CN" altLang="en-US"/>
-          </a:p>
-          <a:p>
-            <a:endParaRPr lang="zh-CN" altLang="en-US"/>
-          </a:p>
-        </p:txBody>
-      </p:sp>
-      <p:pic>
-        <p:nvPicPr>
-          <p:cNvPr id="2" name="图片 1"/>
-          <p:cNvPicPr>
-            <a:picLocks noChangeAspect="1"/>
-          </p:cNvPicPr>
-          <p:nvPr/>
-        </p:nvPicPr>
-        <p:blipFill>
-          <a:blip r:embed="rId3"/>
-          <a:stretch>
-            <a:fillRect/>
-          </a:stretch>
-        </p:blipFill>
-        <p:spPr>
-          <a:xfrm>
-            <a:off x="3768090" y="1824990"/>
-            <a:ext cx="3365500" cy="2819400"/>
-          </a:xfrm>
-          <a:prstGeom prst="rect">
-            <a:avLst/>
-          </a:prstGeom>
-        </p:spPr>
-      </p:pic>
-      <p:sp>
-        <p:nvSpPr>
-          <p:cNvPr id="3" name="文本框 2"/>
-          <p:cNvSpPr txBox="1"/>
-          <p:nvPr/>
-        </p:nvSpPr>
-        <p:spPr>
-          <a:xfrm>
-            <a:off x="3585210" y="1202690"/>
-            <a:ext cx="3548380" cy="368300"/>
-          </a:xfrm>
-          <a:prstGeom prst="rect">
-            <a:avLst/>
-          </a:prstGeom>
-          <a:noFill/>
-        </p:spPr>
-        <p:txBody>
-          <a:bodyPr wrap="none" rtlCol="0">
-            <a:spAutoFit/>
-          </a:bodyPr>
-          <a:p>
-            <a:pPr algn="l"/>
-            <a:r>
-              <a:rPr lang="zh-CN" altLang="en-US">
-                <a:solidFill>
-                  <a:schemeClr val="tx1"/>
-                </a:solidFill>
-                <a:effectLst>
-                  <a:outerShdw blurRad="38100" dist="19050" dir="2700000" algn="tl" rotWithShape="0">
-                    <a:schemeClr val="dk1">
-                      <a:alpha val="40000"/>
-                    </a:schemeClr>
-                  </a:outerShdw>
-                </a:effectLst>
-              </a:rPr>
-              <a:t>Talk is cheap. Show me the code</a:t>
-            </a:r>
-            <a:endParaRPr lang="zh-CN" altLang="en-US">
-              <a:solidFill>
-                <a:schemeClr val="tx1"/>
-              </a:solidFill>
-              <a:effectLst>
-                <a:outerShdw blurRad="38100" dist="19050" dir="2700000" algn="tl" rotWithShape="0">
-                  <a:schemeClr val="dk1">
-                    <a:alpha val="40000"/>
-                  </a:schemeClr>
-                </a:outerShdw>
-              </a:effectLst>
-            </a:endParaRPr>
-          </a:p>
-        </p:txBody>
-      </p:sp>
-      <p:sp>
-        <p:nvSpPr>
-          <p:cNvPr id="4" name="文本框 3"/>
-          <p:cNvSpPr txBox="1"/>
-          <p:nvPr/>
-        </p:nvSpPr>
-        <p:spPr>
-          <a:xfrm>
-            <a:off x="1493520" y="6080125"/>
-            <a:ext cx="3446780" cy="368300"/>
-          </a:xfrm>
-          <a:prstGeom prst="rect">
-            <a:avLst/>
-          </a:prstGeom>
-          <a:noFill/>
-        </p:spPr>
-        <p:txBody>
-          <a:bodyPr wrap="none" rtlCol="0">
-            <a:spAutoFit/>
-          </a:bodyPr>
-          <a:p>
-            <a:pPr algn="l"/>
-            <a:r>
-              <a:rPr lang="zh-CN" altLang="en-US"/>
-              <a:t>https://youtu.be/WhpCOcMhEcg</a:t>
-            </a:r>
-            <a:endParaRPr lang="zh-CN" altLang="en-US"/>
-          </a:p>
-        </p:txBody>
-      </p:sp>
-      <p:sp>
-        <p:nvSpPr>
-          <p:cNvPr id="7" name="文本框 6"/>
-          <p:cNvSpPr txBox="1"/>
-          <p:nvPr/>
-        </p:nvSpPr>
-        <p:spPr>
-          <a:xfrm>
-            <a:off x="6087110" y="6080125"/>
-            <a:ext cx="4843780" cy="368300"/>
-          </a:xfrm>
-          <a:prstGeom prst="rect">
-            <a:avLst/>
-          </a:prstGeom>
-          <a:noFill/>
-        </p:spPr>
-        <p:txBody>
-          <a:bodyPr wrap="none" rtlCol="0">
-            <a:spAutoFit/>
-          </a:bodyPr>
-          <a:p>
-            <a:pPr algn="l"/>
-            <a:r>
-              <a:rPr lang="zh-CN" altLang="en-US"/>
-              <a:t>https://www.bilibili.com/video/BV1dq4y1N7EM</a:t>
             </a:r>
             <a:endParaRPr lang="zh-CN" altLang="en-US"/>
           </a:p>
